--- a/99_Abgabe/plakat_masterthesis_pascal_gitz.pptx
+++ b/99_Abgabe/plakat_masterthesis_pascal_gitz.pptx
@@ -3722,7 +3722,7 @@
           <a:p>
             <a:r>
               <a:rPr lang="de-DE" dirty="0"/>
-              <a:t>Master-Thesis Bauingenieurwesen</a:t>
+              <a:t>Masterthesis Bauingenieurwesen</a:t>
             </a:r>
             <a:endParaRPr lang="en-GB" dirty="0"/>
           </a:p>
@@ -4877,7 +4877,7 @@
           <a:p>
             <a:r>
               <a:rPr lang="de-CH" dirty="0"/>
-              <a:t>Abb. 2: Adaptierter einfacher Balken mit starren Stäben </a:t>
+              <a:t>Abb. 2: Adaptierter einfacher Balken mit starren Stäben, </a:t>
             </a:r>
             <a:br>
               <a:rPr lang="de-CH" dirty="0"/>
@@ -5119,7 +5119,7 @@
           <a:p>
             <a:r>
               <a:rPr lang="de-CH" dirty="0"/>
-              <a:t>Abb. 3: Biegelinie des adaptieren Systems</a:t>
+              <a:t>Abb. 3: Biegelinie des adaptierten Systems</a:t>
             </a:r>
           </a:p>
         </p:txBody>
@@ -5318,15 +5318,7 @@
           <a:p>
             <a:r>
               <a:rPr lang="de-CH" dirty="0"/>
-              <a:t>Abb. 6</a:t>
-            </a:r>
-            <a:r>
-              <a:rPr lang="de-CH"/>
-              <a:t>: Last-Verformungs-Diagramm </a:t>
-            </a:r>
-            <a:r>
-              <a:rPr lang="de-CH" dirty="0"/>
-              <a:t>in der Feldmitte</a:t>
+              <a:t>Abb. 6: Last-Verformungs-Diagramm der Feldmitte</a:t>
             </a:r>
           </a:p>
         </p:txBody>
@@ -6174,12 +6166,6 @@
 </file>
 
 <file path=customXml/item1.xml><?xml version="1.0" encoding="utf-8"?>
-<p:properties xmlns:p="http://schemas.microsoft.com/office/2006/metadata/properties" xmlns:xsi="http://www.w3.org/2001/XMLSchema-instance" xmlns:pc="http://schemas.microsoft.com/office/infopath/2007/PartnerControls">
-  <documentManagement/>
-</p:properties>
-</file>
-
-<file path=customXml/item2.xml><?xml version="1.0" encoding="utf-8"?>
 <ct:contentTypeSchema xmlns:ct="http://schemas.microsoft.com/office/2006/metadata/contentType" xmlns:ma="http://schemas.microsoft.com/office/2006/metadata/properties/metaAttributes" ct:_="" ma:_="" ma:contentTypeName="Dokument" ma:contentTypeID="0x010100E756FDFCB57D0948B915F9BF5E819397" ma:contentTypeVersion="13" ma:contentTypeDescription="Ein neues Dokument erstellen." ma:contentTypeScope="" ma:versionID="7d9c0cc1dbb0c643df8b274555674628">
   <xsd:schema xmlns:xsd="http://www.w3.org/2001/XMLSchema" xmlns:xs="http://www.w3.org/2001/XMLSchema" xmlns:p="http://schemas.microsoft.com/office/2006/metadata/properties" xmlns:ns2="bd5c1ef4-a5a8-4f60-b734-518beb01c7b7" xmlns:ns3="9a7d57e2-a6f6-4353-bdc3-995d0b2e54a4" targetNamespace="http://schemas.microsoft.com/office/2006/metadata/properties" ma:root="true" ma:fieldsID="e815778459cc07df9524752950c0824a" ns2:_="" ns3:_="">
     <xsd:import namespace="bd5c1ef4-a5a8-4f60-b734-518beb01c7b7"/>
@@ -6402,6 +6388,12 @@
 </ct:contentTypeSchema>
 </file>
 
+<file path=customXml/item2.xml><?xml version="1.0" encoding="utf-8"?>
+<p:properties xmlns:p="http://schemas.microsoft.com/office/2006/metadata/properties" xmlns:xsi="http://www.w3.org/2001/XMLSchema-instance" xmlns:pc="http://schemas.microsoft.com/office/infopath/2007/PartnerControls">
+  <documentManagement/>
+</p:properties>
+</file>
+
 <file path=customXml/item3.xml><?xml version="1.0" encoding="utf-8"?>
 <?mso-contentType ?>
 <FormTemplates xmlns="http://schemas.microsoft.com/sharepoint/v3/contenttype/forms">
@@ -6412,23 +6404,6 @@
 </file>
 
 <file path=customXml/itemProps1.xml><?xml version="1.0" encoding="utf-8"?>
-<ds:datastoreItem xmlns:ds="http://schemas.openxmlformats.org/officeDocument/2006/customXml" ds:itemID="{532ADD14-27E2-4CBB-84C3-E07DFBE08BF2}">
-  <ds:schemaRefs>
-    <ds:schemaRef ds:uri="http://purl.org/dc/dcmitype/"/>
-    <ds:schemaRef ds:uri="http://purl.org/dc/terms/"/>
-    <ds:schemaRef ds:uri="http://schemas.microsoft.com/office/2006/documentManagement/types"/>
-    <ds:schemaRef ds:uri="http://schemas.microsoft.com/office/2006/metadata/properties"/>
-    <ds:schemaRef ds:uri="http://purl.org/dc/elements/1.1/"/>
-    <ds:schemaRef ds:uri="http://www.w3.org/XML/1998/namespace"/>
-    <ds:schemaRef ds:uri="bd5c1ef4-a5a8-4f60-b734-518beb01c7b7"/>
-    <ds:schemaRef ds:uri="http://schemas.microsoft.com/office/infopath/2007/PartnerControls"/>
-    <ds:schemaRef ds:uri="http://schemas.openxmlformats.org/package/2006/metadata/core-properties"/>
-    <ds:schemaRef ds:uri="9a7d57e2-a6f6-4353-bdc3-995d0b2e54a4"/>
-  </ds:schemaRefs>
-</ds:datastoreItem>
-</file>
-
-<file path=customXml/itemProps2.xml><?xml version="1.0" encoding="utf-8"?>
 <ds:datastoreItem xmlns:ds="http://schemas.openxmlformats.org/officeDocument/2006/customXml" ds:itemID="{4A348821-2DE9-48C1-97F6-4DC5729F19B6}">
   <ds:schemaRefs>
     <ds:schemaRef ds:uri="9a7d57e2-a6f6-4353-bdc3-995d0b2e54a4"/>
@@ -6447,6 +6422,23 @@
 </ds:datastoreItem>
 </file>
 
+<file path=customXml/itemProps2.xml><?xml version="1.0" encoding="utf-8"?>
+<ds:datastoreItem xmlns:ds="http://schemas.openxmlformats.org/officeDocument/2006/customXml" ds:itemID="{532ADD14-27E2-4CBB-84C3-E07DFBE08BF2}">
+  <ds:schemaRefs>
+    <ds:schemaRef ds:uri="http://purl.org/dc/dcmitype/"/>
+    <ds:schemaRef ds:uri="http://purl.org/dc/terms/"/>
+    <ds:schemaRef ds:uri="http://schemas.microsoft.com/office/2006/documentManagement/types"/>
+    <ds:schemaRef ds:uri="http://schemas.microsoft.com/office/2006/metadata/properties"/>
+    <ds:schemaRef ds:uri="http://purl.org/dc/elements/1.1/"/>
+    <ds:schemaRef ds:uri="http://www.w3.org/XML/1998/namespace"/>
+    <ds:schemaRef ds:uri="bd5c1ef4-a5a8-4f60-b734-518beb01c7b7"/>
+    <ds:schemaRef ds:uri="http://schemas.microsoft.com/office/infopath/2007/PartnerControls"/>
+    <ds:schemaRef ds:uri="http://schemas.openxmlformats.org/package/2006/metadata/core-properties"/>
+    <ds:schemaRef ds:uri="9a7d57e2-a6f6-4353-bdc3-995d0b2e54a4"/>
+  </ds:schemaRefs>
+</ds:datastoreItem>
+</file>
+
 <file path=customXml/itemProps3.xml><?xml version="1.0" encoding="utf-8"?>
 <ds:datastoreItem xmlns:ds="http://schemas.openxmlformats.org/officeDocument/2006/customXml" ds:itemID="{B1B22379-68EE-4294-A662-CCA510E47448}">
   <ds:schemaRefs>
